--- a/experiments/out-1-nochart.pptx
+++ b/experiments/out-1-nochart.pptx
@@ -113,6 +113,11 @@
       </a:defRPr>
     </a:lvl9pPr>
   </p:defaultTextStyle>
+  <p:extLst>
+    <p:ext uri="{EFAFB233-063F-42B5-8137-9DF3F51BA10A}">
+      <p15:sldGuideLst xmlns:p15="http://schemas.microsoft.com/office/powerpoint/2012/main"/>
+    </p:ext>
+  </p:extLst>
 </p:presentation>
 </file>
 
@@ -297,7 +302,7 @@
           <a:p>
             <a:fld id="{F8166F1F-CE9B-4651-A6AA-CD717754106B}" type="datetimeFigureOut">
               <a:rPr lang="en-US" smtClean="0"/>
-              <a:t>12/30/2013</a:t>
+              <a:t>1/10/2014</a:t>
             </a:fld>
             <a:endParaRPr lang="en-US"/>
           </a:p>
@@ -505,7 +510,7 @@
           <a:p>
             <a:fld id="{F8166F1F-CE9B-4651-A6AA-CD717754106B}" type="datetimeFigureOut">
               <a:rPr lang="en-US" smtClean="0"/>
-              <a:t>12/30/2013</a:t>
+              <a:t>1/10/2014</a:t>
             </a:fld>
             <a:endParaRPr lang="en-US"/>
           </a:p>
@@ -1925,11 +1930,11 @@
   <p:clrMapOvr>
     <a:masterClrMapping/>
   </p:clrMapOvr>
-  <mc:AlternateContent xmlns:mc="http://schemas.openxmlformats.org/markup-compatibility/2006">
-    <mc:Choice xmlns:p14="http://schemas.microsoft.com/office/powerpoint/2010/main" Requires="p14">
+  <mc:AlternateContent xmlns:mc="http://schemas.openxmlformats.org/markup-compatibility/2006" xmlns:p14="http://schemas.microsoft.com/office/powerpoint/2010/main">
+    <mc:Choice Requires="p14">
       <p:transition spd="slow" p14:dur="2000"/>
     </mc:Choice>
-    <mc:Fallback>
+    <mc:Fallback xmlns="">
       <p:transition spd="slow"/>
     </mc:Fallback>
   </mc:AlternateContent>
